--- a/30_Yongjie_35_Asnawi_Presentation.pptx
+++ b/30_Yongjie_35_Asnawi_Presentation.pptx
@@ -3329,52 +3329,104 @@
             <p:ph type="title"/>
           </p:nvPr>
         </p:nvSpPr>
+        <p:spPr/>
+        <p:txBody>
+          <a:bodyPr/>
+          <a:p>
+            <a:r>
+              <a:rPr lang="en-SG" altLang="en-US" sz="4800"/>
+              <a:t>Game Ideas</a:t>
+            </a:r>
+            <a:endParaRPr lang="en-SG" altLang="en-US" sz="4800"/>
+          </a:p>
+        </p:txBody>
+      </p:sp>
+      <p:sp>
+        <p:nvSpPr>
+          <p:cNvPr id="3" name="Content Placeholder 2"/>
+          <p:cNvSpPr>
+            <a:spLocks noGrp="1"/>
+          </p:cNvSpPr>
+          <p:nvPr>
+            <p:ph sz="half" idx="1"/>
+          </p:nvPr>
+        </p:nvSpPr>
+        <p:spPr/>
+        <p:txBody>
+          <a:bodyPr/>
+          <a:p>
+            <a:r>
+              <a:rPr lang="en-SG" altLang="en-US"/>
+              <a:t>A 2D Hack-n-Slash Action Platformer </a:t>
+            </a:r>
+            <a:endParaRPr lang="en-SG" altLang="en-US"/>
+          </a:p>
+          <a:p>
+            <a:r>
+              <a:rPr lang="en-SG" altLang="en-US"/>
+              <a:t>Normal movement combined with a teleport mechanic</a:t>
+            </a:r>
+            <a:endParaRPr lang="en-SG" altLang="en-US"/>
+          </a:p>
+          <a:p>
+            <a:r>
+              <a:rPr lang="en-SG" altLang="en-US"/>
+              <a:t>Progress through the game by eliminating enemies in the different levels</a:t>
+            </a:r>
+            <a:endParaRPr lang="en-SG" altLang="en-US"/>
+          </a:p>
+        </p:txBody>
+      </p:sp>
+      <p:pic>
+        <p:nvPicPr>
+          <p:cNvPr id="4" name="Content Placeholder 3" descr="iabjkl"/>
+          <p:cNvPicPr>
+            <a:picLocks noChangeAspect="1"/>
+          </p:cNvPicPr>
+          <p:nvPr>
+            <p:ph sz="half" idx="2"/>
+          </p:nvPr>
+        </p:nvPicPr>
+        <p:blipFill>
+          <a:blip r:embed="rId1"/>
+          <a:stretch>
+            <a:fillRect/>
+          </a:stretch>
+        </p:blipFill>
         <p:spPr>
           <a:xfrm>
-            <a:off x="609600" y="190500"/>
-            <a:ext cx="10972800" cy="642620"/>
+            <a:off x="6331585" y="925195"/>
+            <a:ext cx="5086350" cy="2857500"/>
           </a:xfrm>
+          <a:prstGeom prst="rect">
+            <a:avLst/>
+          </a:prstGeom>
         </p:spPr>
-        <p:txBody>
-          <a:bodyPr/>
-          <a:p>
-            <a:r>
-              <a:rPr lang="en-SG" altLang="en-US" sz="4800"/>
-              <a:t>Game Ideas</a:t>
-            </a:r>
-            <a:endParaRPr lang="en-SG" altLang="en-US" sz="4800"/>
-          </a:p>
-        </p:txBody>
-      </p:sp>
-      <p:sp>
-        <p:nvSpPr>
-          <p:cNvPr id="3" name="Content Placeholder 2"/>
-          <p:cNvSpPr>
-            <a:spLocks noGrp="1"/>
-          </p:cNvSpPr>
-          <p:nvPr>
-            <p:ph idx="1"/>
-          </p:nvPr>
-        </p:nvSpPr>
-        <p:spPr/>
-        <p:txBody>
-          <a:bodyPr/>
-          <a:p>
-            <a:r>
-              <a:rPr lang="en-SG" altLang="en-US"/>
-              <a:t>A platformer with a teleporting mechanic</a:t>
-            </a:r>
-            <a:endParaRPr lang="en-SG" altLang="en-US"/>
-          </a:p>
-          <a:p>
-            <a:r>
-              <a:rPr lang="en-SG" altLang="en-US"/>
-              <a:t>You attack by teleporting at enemies</a:t>
-            </a:r>
-            <a:endParaRPr lang="en-SG" altLang="en-US"/>
-          </a:p>
-        </p:txBody>
-      </p:sp>
+      </p:pic>
+      <p:pic>
+        <p:nvPicPr>
+          <p:cNvPr id="5" name="Picture 4" descr="iabjkl1"/>
+          <p:cNvPicPr>
+            <a:picLocks noChangeAspect="1"/>
+          </p:cNvPicPr>
+          <p:nvPr/>
+        </p:nvPicPr>
+        <p:blipFill>
+          <a:blip r:embed="rId2"/>
+          <a:stretch>
+            <a:fillRect/>
+          </a:stretch>
+        </p:blipFill>
+        <p:spPr>
+          <a:xfrm>
+            <a:off x="6498590" y="3884930"/>
+            <a:ext cx="4752975" cy="2486025"/>
+          </a:xfrm>
+          <a:prstGeom prst="rect">
+            <a:avLst/>
+          </a:prstGeom>
+        </p:spPr>
+      </p:pic>
     </p:spTree>
   </p:cSld>
   <p:clrMapOvr>
@@ -3431,18 +3483,15 @@
           <a:p>
             <a:r>
               <a:rPr lang="en-SG" altLang="en-US"/>
-              <a:t>GDD has been completed and sent</a:t>
+              <a:t>Basic Mechanics of the game (movement and teleporting) have been completed</a:t>
             </a:r>
             <a:endParaRPr lang="en-SG" altLang="en-US"/>
           </a:p>
           <a:p>
             <a:r>
               <a:rPr lang="en-SG" altLang="en-US"/>
-              <a:t>Basic Mechanics of the game (movement and teleporting) have been completed</a:t>
-            </a:r>
-            <a:endParaRPr lang="en-SG" altLang="en-US"/>
-          </a:p>
-          <a:p>
+              <a:t>Currently working on the combat and UI elements of the game</a:t>
+            </a:r>
             <a:endParaRPr lang="en-SG" altLang="en-US"/>
           </a:p>
         </p:txBody>
